--- a/doc/IBM Bluemix DevOps Services のプロジェクトを Eclipse にインポートする.pptx
+++ b/doc/IBM Bluemix DevOps Services のプロジェクトを Eclipse にインポートする.pptx
@@ -1526,14 +1526,14 @@
           </a:ln>
           <a:extLst>
             <a:ext uri="{909E8E84-426E-40dd-AFC4-6F175D3DCCD1}">
-              <a14:hiddenFill xmlns="" xmlns:a14="http://schemas.microsoft.com/office/drawing/2010/main">
+              <a14:hiddenFill xmlns:a14="http://schemas.microsoft.com/office/drawing/2010/main" xmlns="">
                 <a:solidFill>
                   <a:srgbClr val="FFFFFF"/>
                 </a:solidFill>
               </a14:hiddenFill>
             </a:ext>
             <a:ext uri="{91240B29-F687-4f45-9708-019B960494DF}">
-              <a14:hiddenLine xmlns="" xmlns:a14="http://schemas.microsoft.com/office/drawing/2010/main" w="9525">
+              <a14:hiddenLine xmlns:a14="http://schemas.microsoft.com/office/drawing/2010/main" xmlns="" w="9525">
                 <a:solidFill>
                   <a:srgbClr val="000000"/>
                 </a:solidFill>
@@ -1580,14 +1580,14 @@
           </a:ln>
           <a:extLst>
             <a:ext uri="{909E8E84-426E-40dd-AFC4-6F175D3DCCD1}">
-              <a14:hiddenFill xmlns="" xmlns:a14="http://schemas.microsoft.com/office/drawing/2010/main">
+              <a14:hiddenFill xmlns:a14="http://schemas.microsoft.com/office/drawing/2010/main" xmlns="">
                 <a:solidFill>
                   <a:srgbClr val="FFFFFF"/>
                 </a:solidFill>
               </a14:hiddenFill>
             </a:ext>
             <a:ext uri="{91240B29-F687-4f45-9708-019B960494DF}">
-              <a14:hiddenLine xmlns="" xmlns:a14="http://schemas.microsoft.com/office/drawing/2010/main" w="9525">
+              <a14:hiddenLine xmlns:a14="http://schemas.microsoft.com/office/drawing/2010/main" xmlns="" w="9525">
                 <a:solidFill>
                   <a:srgbClr val="000000"/>
                 </a:solidFill>
@@ -1634,14 +1634,14 @@
           </a:ln>
           <a:extLst>
             <a:ext uri="{909E8E84-426E-40dd-AFC4-6F175D3DCCD1}">
-              <a14:hiddenFill xmlns="" xmlns:a14="http://schemas.microsoft.com/office/drawing/2010/main">
+              <a14:hiddenFill xmlns:a14="http://schemas.microsoft.com/office/drawing/2010/main" xmlns="">
                 <a:solidFill>
                   <a:srgbClr val="FFFFFF"/>
                 </a:solidFill>
               </a14:hiddenFill>
             </a:ext>
             <a:ext uri="{91240B29-F687-4f45-9708-019B960494DF}">
-              <a14:hiddenLine xmlns="" xmlns:a14="http://schemas.microsoft.com/office/drawing/2010/main" w="9525">
+              <a14:hiddenLine xmlns:a14="http://schemas.microsoft.com/office/drawing/2010/main" xmlns="" w="9525">
                 <a:solidFill>
                   <a:srgbClr val="000000"/>
                 </a:solidFill>
@@ -1676,14 +1676,14 @@
           <a:effectLst/>
           <a:extLst>
             <a:ext uri="{909E8E84-426E-40dd-AFC4-6F175D3DCCD1}">
-              <a14:hiddenFill xmlns="" xmlns:a14="http://schemas.microsoft.com/office/drawing/2010/main">
+              <a14:hiddenFill xmlns:a14="http://schemas.microsoft.com/office/drawing/2010/main" xmlns="">
                 <a:solidFill>
                   <a:srgbClr val="FFFFFF"/>
                 </a:solidFill>
               </a14:hiddenFill>
             </a:ext>
             <a:ext uri="{91240B29-F687-4f45-9708-019B960494DF}">
-              <a14:hiddenLine xmlns="" xmlns:a14="http://schemas.microsoft.com/office/drawing/2010/main" w="31750" algn="ctr">
+              <a14:hiddenLine xmlns:a14="http://schemas.microsoft.com/office/drawing/2010/main" xmlns="" w="31750" algn="ctr">
                 <a:solidFill>
                   <a:srgbClr val="3B4B54"/>
                 </a:solidFill>
@@ -1693,7 +1693,7 @@
               </a14:hiddenLine>
             </a:ext>
             <a:ext uri="{AF507438-7753-43e0-B8FC-AC1667EBCBE1}">
-              <a14:hiddenEffects xmlns="" xmlns:a14="http://schemas.microsoft.com/office/drawing/2010/main">
+              <a14:hiddenEffects xmlns:a14="http://schemas.microsoft.com/office/drawing/2010/main" xmlns="">
                 <a:effectLst>
                   <a:outerShdw dist="35921" dir="2700000" algn="ctr" rotWithShape="0">
                     <a:schemeClr val="bg2"/>
@@ -1924,14 +1924,14 @@
           <a:effectLst/>
           <a:extLst>
             <a:ext uri="{909E8E84-426E-40dd-AFC4-6F175D3DCCD1}">
-              <a14:hiddenFill xmlns="" xmlns:a14="http://schemas.microsoft.com/office/drawing/2010/main">
+              <a14:hiddenFill xmlns:a14="http://schemas.microsoft.com/office/drawing/2010/main" xmlns="">
                 <a:solidFill>
                   <a:srgbClr val="FFFFFF"/>
                 </a:solidFill>
               </a14:hiddenFill>
             </a:ext>
             <a:ext uri="{91240B29-F687-4f45-9708-019B960494DF}">
-              <a14:hiddenLine xmlns="" xmlns:a14="http://schemas.microsoft.com/office/drawing/2010/main" w="31750" algn="ctr">
+              <a14:hiddenLine xmlns:a14="http://schemas.microsoft.com/office/drawing/2010/main" xmlns="" w="31750" algn="ctr">
                 <a:solidFill>
                   <a:srgbClr val="3B4B54"/>
                 </a:solidFill>
@@ -1941,7 +1941,7 @@
               </a14:hiddenLine>
             </a:ext>
             <a:ext uri="{AF507438-7753-43e0-B8FC-AC1667EBCBE1}">
-              <a14:hiddenEffects xmlns="" xmlns:a14="http://schemas.microsoft.com/office/drawing/2010/main">
+              <a14:hiddenEffects xmlns:a14="http://schemas.microsoft.com/office/drawing/2010/main" xmlns="">
                 <a:effectLst>
                   <a:outerShdw dist="35921" dir="2700000" algn="ctr" rotWithShape="0">
                     <a:schemeClr val="bg2"/>
@@ -2155,14 +2155,14 @@
           <a:effectLst/>
           <a:extLst>
             <a:ext uri="{909E8E84-426E-40dd-AFC4-6F175D3DCCD1}">
-              <a14:hiddenFill xmlns="" xmlns:a14="http://schemas.microsoft.com/office/drawing/2010/main">
+              <a14:hiddenFill xmlns:a14="http://schemas.microsoft.com/office/drawing/2010/main" xmlns="">
                 <a:solidFill>
                   <a:srgbClr val="CCECFF"/>
                 </a:solidFill>
               </a14:hiddenFill>
             </a:ext>
             <a:ext uri="{91240B29-F687-4f45-9708-019B960494DF}">
-              <a14:hiddenLine xmlns="" xmlns:a14="http://schemas.microsoft.com/office/drawing/2010/main" w="31750" algn="ctr">
+              <a14:hiddenLine xmlns:a14="http://schemas.microsoft.com/office/drawing/2010/main" xmlns="" w="31750" algn="ctr">
                 <a:solidFill>
                   <a:schemeClr val="accent2"/>
                 </a:solidFill>
@@ -2172,7 +2172,7 @@
               </a14:hiddenLine>
             </a:ext>
             <a:ext uri="{AF507438-7753-43e0-B8FC-AC1667EBCBE1}">
-              <a14:hiddenEffects xmlns="" xmlns:a14="http://schemas.microsoft.com/office/drawing/2010/main">
+              <a14:hiddenEffects xmlns:a14="http://schemas.microsoft.com/office/drawing/2010/main" xmlns="">
                 <a:effectLst>
                   <a:outerShdw dist="35921" dir="2700000" algn="ctr" rotWithShape="0">
                     <a:schemeClr val="bg2"/>
@@ -2406,14 +2406,14 @@
           </a:ln>
           <a:extLst>
             <a:ext uri="{909E8E84-426E-40dd-AFC4-6F175D3DCCD1}">
-              <a14:hiddenFill xmlns="" xmlns:a14="http://schemas.microsoft.com/office/drawing/2010/main">
+              <a14:hiddenFill xmlns:a14="http://schemas.microsoft.com/office/drawing/2010/main" xmlns="">
                 <a:solidFill>
                   <a:srgbClr val="FFFFFF"/>
                 </a:solidFill>
               </a14:hiddenFill>
             </a:ext>
             <a:ext uri="{91240B29-F687-4f45-9708-019B960494DF}">
-              <a14:hiddenLine xmlns="" xmlns:a14="http://schemas.microsoft.com/office/drawing/2010/main" w="9525">
+              <a14:hiddenLine xmlns:a14="http://schemas.microsoft.com/office/drawing/2010/main" xmlns="" w="9525">
                 <a:solidFill>
                   <a:srgbClr val="000000"/>
                 </a:solidFill>
@@ -2528,12 +2528,12 @@
           <a:effectLst/>
           <a:extLst>
             <a:ext uri="{909E8E84-426E-40dd-AFC4-6F175D3DCCD1}">
-              <a14:hiddenFill xmlns="" xmlns:a14="http://schemas.microsoft.com/office/drawing/2010/main">
+              <a14:hiddenFill xmlns:a14="http://schemas.microsoft.com/office/drawing/2010/main" xmlns="">
                 <a:noFill/>
               </a14:hiddenFill>
             </a:ext>
             <a:ext uri="{AF507438-7753-43e0-B8FC-AC1667EBCBE1}">
-              <a14:hiddenEffects xmlns="" xmlns:a14="http://schemas.microsoft.com/office/drawing/2010/main">
+              <a14:hiddenEffects xmlns:a14="http://schemas.microsoft.com/office/drawing/2010/main" xmlns="">
                 <a:effectLst>
                   <a:outerShdw dist="35921" dir="2700000" algn="ctr" rotWithShape="0">
                     <a:schemeClr val="bg2"/>
@@ -2654,14 +2654,14 @@
           </a:ln>
           <a:extLst>
             <a:ext uri="{909E8E84-426E-40dd-AFC4-6F175D3DCCD1}">
-              <a14:hiddenFill xmlns="" xmlns:a14="http://schemas.microsoft.com/office/drawing/2010/main">
+              <a14:hiddenFill xmlns:a14="http://schemas.microsoft.com/office/drawing/2010/main" xmlns="">
                 <a:solidFill>
                   <a:srgbClr val="FFFFFF"/>
                 </a:solidFill>
               </a14:hiddenFill>
             </a:ext>
             <a:ext uri="{91240B29-F687-4f45-9708-019B960494DF}">
-              <a14:hiddenLine xmlns="" xmlns:a14="http://schemas.microsoft.com/office/drawing/2010/main" w="9525">
+              <a14:hiddenLine xmlns:a14="http://schemas.microsoft.com/office/drawing/2010/main" xmlns="" w="9525">
                 <a:solidFill>
                   <a:srgbClr val="000000"/>
                 </a:solidFill>
@@ -2707,7 +2707,7 @@
           </a:effectLst>
           <a:extLst>
             <a:ext uri="{909E8E84-426E-40dd-AFC4-6F175D3DCCD1}">
-              <a14:hiddenFill xmlns="" xmlns:a14="http://schemas.microsoft.com/office/drawing/2010/main">
+              <a14:hiddenFill xmlns:a14="http://schemas.microsoft.com/office/drawing/2010/main" xmlns="">
                 <a:noFill/>
               </a14:hiddenFill>
             </a:ext>
@@ -3004,14 +3004,14 @@
           <a:effectLst/>
           <a:extLst>
             <a:ext uri="{909E8E84-426E-40dd-AFC4-6F175D3DCCD1}">
-              <a14:hiddenFill xmlns="" xmlns:a14="http://schemas.microsoft.com/office/drawing/2010/main">
+              <a14:hiddenFill xmlns:a14="http://schemas.microsoft.com/office/drawing/2010/main" xmlns="">
                 <a:solidFill>
                   <a:schemeClr val="accent1"/>
                 </a:solidFill>
               </a14:hiddenFill>
             </a:ext>
             <a:ext uri="{91240B29-F687-4f45-9708-019B960494DF}">
-              <a14:hiddenLine xmlns="" xmlns:a14="http://schemas.microsoft.com/office/drawing/2010/main" w="9525">
+              <a14:hiddenLine xmlns:a14="http://schemas.microsoft.com/office/drawing/2010/main" xmlns="" w="9525">
                 <a:solidFill>
                   <a:schemeClr val="tx1"/>
                 </a:solidFill>
@@ -3021,7 +3021,7 @@
               </a14:hiddenLine>
             </a:ext>
             <a:ext uri="{AF507438-7753-43e0-B8FC-AC1667EBCBE1}">
-              <a14:hiddenEffects xmlns="" xmlns:a14="http://schemas.microsoft.com/office/drawing/2010/main">
+              <a14:hiddenEffects xmlns:a14="http://schemas.microsoft.com/office/drawing/2010/main" xmlns="">
                 <a:effectLst>
                   <a:outerShdw dist="35921" dir="2700000" algn="ctr" rotWithShape="0">
                     <a:schemeClr val="bg2"/>
@@ -3072,14 +3072,14 @@
           <a:effectLst/>
           <a:extLst>
             <a:ext uri="{909E8E84-426E-40dd-AFC4-6F175D3DCCD1}">
-              <a14:hiddenFill xmlns="" xmlns:a14="http://schemas.microsoft.com/office/drawing/2010/main">
+              <a14:hiddenFill xmlns:a14="http://schemas.microsoft.com/office/drawing/2010/main" xmlns="">
                 <a:solidFill>
                   <a:schemeClr val="accent1"/>
                 </a:solidFill>
               </a14:hiddenFill>
             </a:ext>
             <a:ext uri="{91240B29-F687-4f45-9708-019B960494DF}">
-              <a14:hiddenLine xmlns="" xmlns:a14="http://schemas.microsoft.com/office/drawing/2010/main" w="9525">
+              <a14:hiddenLine xmlns:a14="http://schemas.microsoft.com/office/drawing/2010/main" xmlns="" w="9525">
                 <a:solidFill>
                   <a:schemeClr val="tx1"/>
                 </a:solidFill>
@@ -3089,7 +3089,7 @@
               </a14:hiddenLine>
             </a:ext>
             <a:ext uri="{AF507438-7753-43e0-B8FC-AC1667EBCBE1}">
-              <a14:hiddenEffects xmlns="" xmlns:a14="http://schemas.microsoft.com/office/drawing/2010/main">
+              <a14:hiddenEffects xmlns:a14="http://schemas.microsoft.com/office/drawing/2010/main" xmlns="">
                 <a:effectLst>
                   <a:outerShdw dist="35921" dir="2700000" algn="ctr" rotWithShape="0">
                     <a:schemeClr val="bg2"/>
@@ -3188,12 +3188,12 @@
           <a:effectLst/>
           <a:extLst>
             <a:ext uri="{909E8E84-426E-40dd-AFC4-6F175D3DCCD1}">
-              <a14:hiddenFill xmlns="" xmlns:a14="http://schemas.microsoft.com/office/drawing/2010/main">
+              <a14:hiddenFill xmlns:a14="http://schemas.microsoft.com/office/drawing/2010/main" xmlns="">
                 <a:noFill/>
               </a14:hiddenFill>
             </a:ext>
             <a:ext uri="{AF507438-7753-43e0-B8FC-AC1667EBCBE1}">
-              <a14:hiddenEffects xmlns="" xmlns:a14="http://schemas.microsoft.com/office/drawing/2010/main">
+              <a14:hiddenEffects xmlns:a14="http://schemas.microsoft.com/office/drawing/2010/main" xmlns="">
                 <a:effectLst>
                   <a:outerShdw dist="35921" dir="2700000" algn="ctr" rotWithShape="0">
                     <a:schemeClr val="bg2"/>
@@ -3407,14 +3407,14 @@
           <a:effectLst/>
           <a:extLst>
             <a:ext uri="{909E8E84-426E-40dd-AFC4-6F175D3DCCD1}">
-              <a14:hiddenFill xmlns="" xmlns:a14="http://schemas.microsoft.com/office/drawing/2010/main">
+              <a14:hiddenFill xmlns:a14="http://schemas.microsoft.com/office/drawing/2010/main" xmlns="">
                 <a:solidFill>
                   <a:schemeClr val="accent1"/>
                 </a:solidFill>
               </a14:hiddenFill>
             </a:ext>
             <a:ext uri="{91240B29-F687-4f45-9708-019B960494DF}">
-              <a14:hiddenLine xmlns="" xmlns:a14="http://schemas.microsoft.com/office/drawing/2010/main" w="9525">
+              <a14:hiddenLine xmlns:a14="http://schemas.microsoft.com/office/drawing/2010/main" xmlns="" w="9525">
                 <a:solidFill>
                   <a:schemeClr val="tx1"/>
                 </a:solidFill>
@@ -3424,7 +3424,7 @@
               </a14:hiddenLine>
             </a:ext>
             <a:ext uri="{AF507438-7753-43e0-B8FC-AC1667EBCBE1}">
-              <a14:hiddenEffects xmlns="" xmlns:a14="http://schemas.microsoft.com/office/drawing/2010/main">
+              <a14:hiddenEffects xmlns:a14="http://schemas.microsoft.com/office/drawing/2010/main" xmlns="">
                 <a:effectLst>
                   <a:outerShdw dist="35921" dir="2700000" algn="ctr" rotWithShape="0">
                     <a:schemeClr val="bg2"/>
@@ -3668,14 +3668,14 @@
           </a:ln>
           <a:extLst>
             <a:ext uri="{909E8E84-426E-40dd-AFC4-6F175D3DCCD1}">
-              <a14:hiddenFill xmlns="" xmlns:a14="http://schemas.microsoft.com/office/drawing/2010/main">
+              <a14:hiddenFill xmlns:a14="http://schemas.microsoft.com/office/drawing/2010/main" xmlns="">
                 <a:solidFill>
                   <a:srgbClr val="FFFFFF"/>
                 </a:solidFill>
               </a14:hiddenFill>
             </a:ext>
             <a:ext uri="{91240B29-F687-4f45-9708-019B960494DF}">
-              <a14:hiddenLine xmlns="" xmlns:a14="http://schemas.microsoft.com/office/drawing/2010/main" w="9525">
+              <a14:hiddenLine xmlns:a14="http://schemas.microsoft.com/office/drawing/2010/main" xmlns="" w="9525">
                 <a:solidFill>
                   <a:srgbClr val="000000"/>
                 </a:solidFill>
@@ -3722,14 +3722,14 @@
           </a:ln>
           <a:extLst>
             <a:ext uri="{909E8E84-426E-40dd-AFC4-6F175D3DCCD1}">
-              <a14:hiddenFill xmlns="" xmlns:a14="http://schemas.microsoft.com/office/drawing/2010/main">
+              <a14:hiddenFill xmlns:a14="http://schemas.microsoft.com/office/drawing/2010/main" xmlns="">
                 <a:solidFill>
                   <a:srgbClr val="FFFFFF"/>
                 </a:solidFill>
               </a14:hiddenFill>
             </a:ext>
             <a:ext uri="{91240B29-F687-4f45-9708-019B960494DF}">
-              <a14:hiddenLine xmlns="" xmlns:a14="http://schemas.microsoft.com/office/drawing/2010/main" w="9525">
+              <a14:hiddenLine xmlns:a14="http://schemas.microsoft.com/office/drawing/2010/main" xmlns="" w="9525">
                 <a:solidFill>
                   <a:srgbClr val="000000"/>
                 </a:solidFill>
@@ -3764,14 +3764,14 @@
           <a:effectLst/>
           <a:extLst>
             <a:ext uri="{909E8E84-426E-40dd-AFC4-6F175D3DCCD1}">
-              <a14:hiddenFill xmlns="" xmlns:a14="http://schemas.microsoft.com/office/drawing/2010/main">
+              <a14:hiddenFill xmlns:a14="http://schemas.microsoft.com/office/drawing/2010/main" xmlns="">
                 <a:solidFill>
                   <a:schemeClr val="accent1"/>
                 </a:solidFill>
               </a14:hiddenFill>
             </a:ext>
             <a:ext uri="{91240B29-F687-4f45-9708-019B960494DF}">
-              <a14:hiddenLine xmlns="" xmlns:a14="http://schemas.microsoft.com/office/drawing/2010/main" w="9525" algn="ctr">
+              <a14:hiddenLine xmlns:a14="http://schemas.microsoft.com/office/drawing/2010/main" xmlns="" w="9525" algn="ctr">
                 <a:solidFill>
                   <a:schemeClr val="tx1"/>
                 </a:solidFill>
@@ -3781,7 +3781,7 @@
               </a14:hiddenLine>
             </a:ext>
             <a:ext uri="{AF507438-7753-43e0-B8FC-AC1667EBCBE1}">
-              <a14:hiddenEffects xmlns="" xmlns:a14="http://schemas.microsoft.com/office/drawing/2010/main">
+              <a14:hiddenEffects xmlns:a14="http://schemas.microsoft.com/office/drawing/2010/main" xmlns="">
                 <a:effectLst>
                   <a:outerShdw dist="35921" dir="2700000" algn="ctr" rotWithShape="0">
                     <a:schemeClr val="bg2"/>
@@ -3982,14 +3982,14 @@
           <a:effectLst/>
           <a:extLst>
             <a:ext uri="{909E8E84-426E-40dd-AFC4-6F175D3DCCD1}">
-              <a14:hiddenFill xmlns="" xmlns:a14="http://schemas.microsoft.com/office/drawing/2010/main">
+              <a14:hiddenFill xmlns:a14="http://schemas.microsoft.com/office/drawing/2010/main" xmlns="">
                 <a:solidFill>
                   <a:srgbClr val="FFFFFF"/>
                 </a:solidFill>
               </a14:hiddenFill>
             </a:ext>
             <a:ext uri="{91240B29-F687-4f45-9708-019B960494DF}">
-              <a14:hiddenLine xmlns="" xmlns:a14="http://schemas.microsoft.com/office/drawing/2010/main" w="31750" algn="ctr">
+              <a14:hiddenLine xmlns:a14="http://schemas.microsoft.com/office/drawing/2010/main" xmlns="" w="31750" algn="ctr">
                 <a:solidFill>
                   <a:srgbClr val="3B4B54"/>
                 </a:solidFill>
@@ -3999,7 +3999,7 @@
               </a14:hiddenLine>
             </a:ext>
             <a:ext uri="{AF507438-7753-43e0-B8FC-AC1667EBCBE1}">
-              <a14:hiddenEffects xmlns="" xmlns:a14="http://schemas.microsoft.com/office/drawing/2010/main">
+              <a14:hiddenEffects xmlns:a14="http://schemas.microsoft.com/office/drawing/2010/main" xmlns="">
                 <a:effectLst>
                   <a:outerShdw dist="35921" dir="2700000" algn="ctr" rotWithShape="0">
                     <a:schemeClr val="bg2"/>
@@ -4230,14 +4230,14 @@
           <a:effectLst/>
           <a:extLst>
             <a:ext uri="{909E8E84-426E-40dd-AFC4-6F175D3DCCD1}">
-              <a14:hiddenFill xmlns="" xmlns:a14="http://schemas.microsoft.com/office/drawing/2010/main">
+              <a14:hiddenFill xmlns:a14="http://schemas.microsoft.com/office/drawing/2010/main" xmlns="">
                 <a:solidFill>
                   <a:srgbClr val="FFFFFF"/>
                 </a:solidFill>
               </a14:hiddenFill>
             </a:ext>
             <a:ext uri="{91240B29-F687-4f45-9708-019B960494DF}">
-              <a14:hiddenLine xmlns="" xmlns:a14="http://schemas.microsoft.com/office/drawing/2010/main" w="31750" algn="ctr">
+              <a14:hiddenLine xmlns:a14="http://schemas.microsoft.com/office/drawing/2010/main" xmlns="" w="31750" algn="ctr">
                 <a:solidFill>
                   <a:srgbClr val="3B4B54"/>
                 </a:solidFill>
@@ -4247,7 +4247,7 @@
               </a14:hiddenLine>
             </a:ext>
             <a:ext uri="{AF507438-7753-43e0-B8FC-AC1667EBCBE1}">
-              <a14:hiddenEffects xmlns="" xmlns:a14="http://schemas.microsoft.com/office/drawing/2010/main">
+              <a14:hiddenEffects xmlns:a14="http://schemas.microsoft.com/office/drawing/2010/main" xmlns="">
                 <a:effectLst>
                   <a:outerShdw dist="35921" dir="2700000" algn="ctr" rotWithShape="0">
                     <a:schemeClr val="bg2"/>
@@ -5268,7 +5268,7 @@
           <a:effectLst/>
           <a:extLst>
             <a:ext uri="{AF507438-7753-43e0-B8FC-AC1667EBCBE1}">
-              <a14:hiddenEffects xmlns:a14="http://schemas.microsoft.com/office/drawing/2010/main" xmlns="">
+              <a14:hiddenEffects xmlns="" xmlns:a14="http://schemas.microsoft.com/office/drawing/2010/main">
                 <a:effectLst>
                   <a:outerShdw dist="35921" dir="2700000" algn="ctr" rotWithShape="0">
                     <a:schemeClr val="bg2"/>
@@ -5344,7 +5344,7 @@
           <a:effectLst/>
           <a:extLst>
             <a:ext uri="{AF507438-7753-43e0-B8FC-AC1667EBCBE1}">
-              <a14:hiddenEffects xmlns:a14="http://schemas.microsoft.com/office/drawing/2010/main" xmlns="">
+              <a14:hiddenEffects xmlns="" xmlns:a14="http://schemas.microsoft.com/office/drawing/2010/main">
                 <a:effectLst>
                   <a:outerShdw dist="35921" dir="2700000" algn="ctr" rotWithShape="0">
                     <a:schemeClr val="bg2"/>
@@ -5560,7 +5560,7 @@
           <a:effectLst/>
           <a:extLst>
             <a:ext uri="{AF507438-7753-43e0-B8FC-AC1667EBCBE1}">
-              <a14:hiddenEffects xmlns:a14="http://schemas.microsoft.com/office/drawing/2010/main" xmlns="">
+              <a14:hiddenEffects xmlns="" xmlns:a14="http://schemas.microsoft.com/office/drawing/2010/main">
                 <a:effectLst>
                   <a:outerShdw dist="35921" dir="2700000" algn="ctr" rotWithShape="0">
                     <a:schemeClr val="bg2"/>
@@ -5636,7 +5636,7 @@
           <a:effectLst/>
           <a:extLst>
             <a:ext uri="{AF507438-7753-43e0-B8FC-AC1667EBCBE1}">
-              <a14:hiddenEffects xmlns:a14="http://schemas.microsoft.com/office/drawing/2010/main" xmlns="">
+              <a14:hiddenEffects xmlns="" xmlns:a14="http://schemas.microsoft.com/office/drawing/2010/main">
                 <a:effectLst>
                   <a:outerShdw dist="35921" dir="2700000" algn="ctr" rotWithShape="0">
                     <a:schemeClr val="bg2"/>
@@ -5712,7 +5712,7 @@
           <a:effectLst/>
           <a:extLst>
             <a:ext uri="{AF507438-7753-43e0-B8FC-AC1667EBCBE1}">
-              <a14:hiddenEffects xmlns:a14="http://schemas.microsoft.com/office/drawing/2010/main" xmlns="">
+              <a14:hiddenEffects xmlns="" xmlns:a14="http://schemas.microsoft.com/office/drawing/2010/main">
                 <a:effectLst>
                   <a:outerShdw dist="35921" dir="2700000" algn="ctr" rotWithShape="0">
                     <a:schemeClr val="bg2"/>
@@ -5788,7 +5788,7 @@
           <a:effectLst/>
           <a:extLst>
             <a:ext uri="{AF507438-7753-43e0-B8FC-AC1667EBCBE1}">
-              <a14:hiddenEffects xmlns:a14="http://schemas.microsoft.com/office/drawing/2010/main" xmlns="">
+              <a14:hiddenEffects xmlns="" xmlns:a14="http://schemas.microsoft.com/office/drawing/2010/main">
                 <a:effectLst>
                   <a:outerShdw dist="35921" dir="2700000" algn="ctr" rotWithShape="0">
                     <a:schemeClr val="bg2"/>
@@ -5864,7 +5864,7 @@
           <a:effectLst/>
           <a:extLst>
             <a:ext uri="{AF507438-7753-43e0-B8FC-AC1667EBCBE1}">
-              <a14:hiddenEffects xmlns:a14="http://schemas.microsoft.com/office/drawing/2010/main" xmlns="">
+              <a14:hiddenEffects xmlns="" xmlns:a14="http://schemas.microsoft.com/office/drawing/2010/main">
                 <a:effectLst>
                   <a:outerShdw dist="35921" dir="2700000" algn="ctr" rotWithShape="0">
                     <a:schemeClr val="bg2"/>
@@ -5945,7 +5945,7 @@
           <a:effectLst/>
           <a:extLst>
             <a:ext uri="{AF507438-7753-43e0-B8FC-AC1667EBCBE1}">
-              <a14:hiddenEffects xmlns:a14="http://schemas.microsoft.com/office/drawing/2010/main" xmlns="">
+              <a14:hiddenEffects xmlns="" xmlns:a14="http://schemas.microsoft.com/office/drawing/2010/main">
                 <a:effectLst>
                   <a:outerShdw dist="35921" dir="2700000" algn="ctr" rotWithShape="0">
                     <a:schemeClr val="bg2"/>
@@ -6038,7 +6038,7 @@
           <a:effectLst/>
           <a:extLst>
             <a:ext uri="{AF507438-7753-43e0-B8FC-AC1667EBCBE1}">
-              <a14:hiddenEffects xmlns:a14="http://schemas.microsoft.com/office/drawing/2010/main" xmlns="">
+              <a14:hiddenEffects xmlns="" xmlns:a14="http://schemas.microsoft.com/office/drawing/2010/main">
                 <a:effectLst>
                   <a:outerShdw dist="35921" dir="2700000" algn="ctr" rotWithShape="0">
                     <a:schemeClr val="bg2"/>
@@ -6078,7 +6078,7 @@
           <a:effectLst/>
           <a:extLst>
             <a:ext uri="{AF507438-7753-43e0-B8FC-AC1667EBCBE1}">
-              <a14:hiddenEffects xmlns:a14="http://schemas.microsoft.com/office/drawing/2010/main" xmlns="">
+              <a14:hiddenEffects xmlns="" xmlns:a14="http://schemas.microsoft.com/office/drawing/2010/main">
                 <a:effectLst>
                   <a:outerShdw dist="35921" dir="2700000" algn="ctr" rotWithShape="0">
                     <a:schemeClr val="bg2"/>
@@ -6210,7 +6210,7 @@
           <a:effectLst/>
           <a:extLst>
             <a:ext uri="{AF507438-7753-43e0-B8FC-AC1667EBCBE1}">
-              <a14:hiddenEffects xmlns:a14="http://schemas.microsoft.com/office/drawing/2010/main" xmlns="">
+              <a14:hiddenEffects xmlns="" xmlns:a14="http://schemas.microsoft.com/office/drawing/2010/main">
                 <a:effectLst>
                   <a:outerShdw dist="35921" dir="2700000" algn="ctr" rotWithShape="0">
                     <a:schemeClr val="bg2"/>
@@ -6286,7 +6286,7 @@
           <a:effectLst/>
           <a:extLst>
             <a:ext uri="{AF507438-7753-43e0-B8FC-AC1667EBCBE1}">
-              <a14:hiddenEffects xmlns:a14="http://schemas.microsoft.com/office/drawing/2010/main" xmlns="">
+              <a14:hiddenEffects xmlns="" xmlns:a14="http://schemas.microsoft.com/office/drawing/2010/main">
                 <a:effectLst>
                   <a:outerShdw dist="35921" dir="2700000" algn="ctr" rotWithShape="0">
                     <a:schemeClr val="bg2"/>
@@ -6506,7 +6506,7 @@
           <a:effectLst/>
           <a:extLst>
             <a:ext uri="{AF507438-7753-43e0-B8FC-AC1667EBCBE1}">
-              <a14:hiddenEffects xmlns:a14="http://schemas.microsoft.com/office/drawing/2010/main" xmlns="">
+              <a14:hiddenEffects xmlns="" xmlns:a14="http://schemas.microsoft.com/office/drawing/2010/main">
                 <a:effectLst>
                   <a:outerShdw dist="35921" dir="2700000" algn="ctr" rotWithShape="0">
                     <a:schemeClr val="bg2"/>
@@ -6525,7 +6525,7 @@
         </p:nvCxnSpPr>
         <p:spPr bwMode="auto">
           <a:xfrm>
-            <a:off x="8697416" y="3740387"/>
+            <a:off x="7975516" y="3740387"/>
             <a:ext cx="0" cy="264677"/>
           </a:xfrm>
           <a:prstGeom prst="straightConnector1">
@@ -6546,7 +6546,7 @@
           <a:effectLst/>
           <a:extLst>
             <a:ext uri="{AF507438-7753-43e0-B8FC-AC1667EBCBE1}">
-              <a14:hiddenEffects xmlns:a14="http://schemas.microsoft.com/office/drawing/2010/main" xmlns="">
+              <a14:hiddenEffects xmlns="" xmlns:a14="http://schemas.microsoft.com/office/drawing/2010/main">
                 <a:effectLst>
                   <a:outerShdw dist="35921" dir="2700000" algn="ctr" rotWithShape="0">
                     <a:schemeClr val="bg2"/>
@@ -6584,7 +6584,7 @@
           <a:effectLst/>
           <a:extLst>
             <a:ext uri="{AF507438-7753-43e0-B8FC-AC1667EBCBE1}">
-              <a14:hiddenEffects xmlns:a14="http://schemas.microsoft.com/office/drawing/2010/main" xmlns="">
+              <a14:hiddenEffects xmlns="" xmlns:a14="http://schemas.microsoft.com/office/drawing/2010/main">
                 <a:effectLst>
                   <a:outerShdw dist="35921" dir="2700000" algn="ctr" rotWithShape="0">
                     <a:schemeClr val="bg2"/>
@@ -6660,7 +6660,7 @@
           <a:effectLst/>
           <a:extLst>
             <a:ext uri="{AF507438-7753-43e0-B8FC-AC1667EBCBE1}">
-              <a14:hiddenEffects xmlns:a14="http://schemas.microsoft.com/office/drawing/2010/main" xmlns="">
+              <a14:hiddenEffects xmlns="" xmlns:a14="http://schemas.microsoft.com/office/drawing/2010/main">
                 <a:effectLst>
                   <a:outerShdw dist="35921" dir="2700000" algn="ctr" rotWithShape="0">
                     <a:schemeClr val="bg2"/>
@@ -6717,7 +6717,7 @@
         </p:nvSpPr>
         <p:spPr bwMode="auto">
           <a:xfrm>
-            <a:off x="8331288" y="3433738"/>
+            <a:off x="7650671" y="3433738"/>
             <a:ext cx="694351" cy="160694"/>
           </a:xfrm>
           <a:prstGeom prst="rect">
@@ -6736,7 +6736,7 @@
           <a:effectLst/>
           <a:extLst>
             <a:ext uri="{AF507438-7753-43e0-B8FC-AC1667EBCBE1}">
-              <a14:hiddenEffects xmlns:a14="http://schemas.microsoft.com/office/drawing/2010/main" xmlns="">
+              <a14:hiddenEffects xmlns="" xmlns:a14="http://schemas.microsoft.com/office/drawing/2010/main">
                 <a:effectLst>
                   <a:outerShdw dist="35921" dir="2700000" algn="ctr" rotWithShape="0">
                     <a:schemeClr val="bg2"/>
@@ -6812,7 +6812,7 @@
           <a:effectLst/>
           <a:extLst>
             <a:ext uri="{AF507438-7753-43e0-B8FC-AC1667EBCBE1}">
-              <a14:hiddenEffects xmlns:a14="http://schemas.microsoft.com/office/drawing/2010/main" xmlns="">
+              <a14:hiddenEffects xmlns="" xmlns:a14="http://schemas.microsoft.com/office/drawing/2010/main">
                 <a:effectLst>
                   <a:outerShdw dist="35921" dir="2700000" algn="ctr" rotWithShape="0">
                     <a:schemeClr val="bg2"/>
@@ -6888,7 +6888,7 @@
           <a:effectLst/>
           <a:extLst>
             <a:ext uri="{AF507438-7753-43e0-B8FC-AC1667EBCBE1}">
-              <a14:hiddenEffects xmlns:a14="http://schemas.microsoft.com/office/drawing/2010/main" xmlns="">
+              <a14:hiddenEffects xmlns="" xmlns:a14="http://schemas.microsoft.com/office/drawing/2010/main">
                 <a:effectLst>
                   <a:outerShdw dist="35921" dir="2700000" algn="ctr" rotWithShape="0">
                     <a:schemeClr val="bg2"/>
@@ -6969,7 +6969,7 @@
           <a:effectLst/>
           <a:extLst>
             <a:ext uri="{AF507438-7753-43e0-B8FC-AC1667EBCBE1}">
-              <a14:hiddenEffects xmlns:a14="http://schemas.microsoft.com/office/drawing/2010/main" xmlns="">
+              <a14:hiddenEffects xmlns="" xmlns:a14="http://schemas.microsoft.com/office/drawing/2010/main">
                 <a:effectLst>
                   <a:outerShdw dist="35921" dir="2700000" algn="ctr" rotWithShape="0">
                     <a:schemeClr val="bg2"/>
@@ -7019,6 +7019,82 @@
               </a:solidFill>
               <a:latin typeface="+mn-ea"/>
               <a:ea typeface="+mn-ea"/>
+            </a:endParaRPr>
+          </a:p>
+        </p:txBody>
+      </p:sp>
+      <p:sp>
+        <p:nvSpPr>
+          <p:cNvPr id="15" name="Rectangle 14"/>
+          <p:cNvSpPr/>
+          <p:nvPr/>
+        </p:nvSpPr>
+        <p:spPr bwMode="auto">
+          <a:xfrm>
+            <a:off x="8326175" y="6156292"/>
+            <a:ext cx="694351" cy="160694"/>
+          </a:xfrm>
+          <a:prstGeom prst="rect">
+            <a:avLst/>
+          </a:prstGeom>
+          <a:noFill/>
+          <a:ln w="31750" cap="flat" cmpd="sng" algn="ctr">
+            <a:solidFill>
+              <a:srgbClr val="FFC000"/>
+            </a:solidFill>
+            <a:prstDash val="solid"/>
+            <a:round/>
+            <a:headEnd type="none" w="med" len="med"/>
+            <a:tailEnd type="none" w="med" len="med"/>
+          </a:ln>
+          <a:effectLst/>
+          <a:extLst>
+            <a:ext uri="{AF507438-7753-43e0-B8FC-AC1667EBCBE1}">
+              <a14:hiddenEffects xmlns="" xmlns:a14="http://schemas.microsoft.com/office/drawing/2010/main">
+                <a:effectLst>
+                  <a:outerShdw dist="35921" dir="2700000" algn="ctr" rotWithShape="0">
+                    <a:schemeClr val="bg2"/>
+                  </a:outerShdw>
+                </a:effectLst>
+              </a14:hiddenEffects>
+            </a:ext>
+          </a:extLst>
+        </p:spPr>
+        <p:txBody>
+          <a:bodyPr vert="horz" wrap="none" lIns="91440" tIns="45720" rIns="91440" bIns="45720" numCol="1" rtlCol="0" anchor="ctr" anchorCtr="0" compatLnSpc="1">
+            <a:prstTxWarp prst="textNoShape">
+              <a:avLst/>
+            </a:prstTxWarp>
+          </a:bodyPr>
+          <a:lstStyle/>
+          <a:p>
+            <a:pPr marL="0" marR="0" indent="0" algn="ctr" defTabSz="914400" rtl="0" eaLnBrk="1" fontAlgn="base" latinLnBrk="0" hangingPunct="1">
+              <a:lnSpc>
+                <a:spcPct val="100000"/>
+              </a:lnSpc>
+              <a:spcBef>
+                <a:spcPct val="20000"/>
+              </a:spcBef>
+              <a:spcAft>
+                <a:spcPct val="0"/>
+              </a:spcAft>
+              <a:buClrTx/>
+              <a:buSzPct val="100000"/>
+              <a:buFont typeface="Wingdings" panose="05000000000000000000" pitchFamily="2" charset="2"/>
+              <a:buChar char="•"/>
+              <a:tabLst/>
+            </a:pPr>
+            <a:endParaRPr kumimoji="1" lang="ja-JP" altLang="en-US" sz="1800" b="0" i="0" u="none" strike="noStrike" cap="none" normalizeH="0" baseline="0" smtClean="0">
+              <a:ln>
+                <a:noFill/>
+              </a:ln>
+              <a:solidFill>
+                <a:srgbClr val="26343F"/>
+              </a:solidFill>
+              <a:effectLst/>
+              <a:latin typeface="Helvetica" panose="020B0604020202020204" pitchFamily="34" charset="0"/>
+              <a:ea typeface="メイリオ" panose="020B0604030504040204" pitchFamily="50" charset="-128"/>
+              <a:cs typeface="メイリオ" panose="020B0604030504040204" pitchFamily="50" charset="-128"/>
             </a:endParaRPr>
           </a:p>
         </p:txBody>
@@ -7149,7 +7225,7 @@
           <a:effectLst/>
           <a:extLst>
             <a:ext uri="{AF507438-7753-43e0-B8FC-AC1667EBCBE1}">
-              <a14:hiddenEffects xmlns:a14="http://schemas.microsoft.com/office/drawing/2010/main" xmlns="">
+              <a14:hiddenEffects xmlns="" xmlns:a14="http://schemas.microsoft.com/office/drawing/2010/main">
                 <a:effectLst>
                   <a:outerShdw dist="35921" dir="2700000" algn="ctr" rotWithShape="0">
                     <a:schemeClr val="bg2"/>
@@ -7203,13 +7279,6 @@
               </a:rPr>
               <a:t>Open Home Page</a:t>
             </a:r>
-            <a:endParaRPr kumimoji="1" lang="en-US" altLang="ja-JP" sz="1200" b="0" dirty="0" smtClean="0">
-              <a:solidFill>
-                <a:srgbClr val="26343F"/>
-              </a:solidFill>
-              <a:latin typeface="+mn-ea"/>
-              <a:ea typeface="+mn-ea"/>
-            </a:endParaRPr>
           </a:p>
         </p:txBody>
       </p:sp>
@@ -7240,7 +7309,7 @@
           <a:effectLst/>
           <a:extLst>
             <a:ext uri="{AF507438-7753-43e0-B8FC-AC1667EBCBE1}">
-              <a14:hiddenEffects xmlns:a14="http://schemas.microsoft.com/office/drawing/2010/main" xmlns="">
+              <a14:hiddenEffects xmlns="" xmlns:a14="http://schemas.microsoft.com/office/drawing/2010/main">
                 <a:effectLst>
                   <a:outerShdw dist="35921" dir="2700000" algn="ctr" rotWithShape="0">
                     <a:schemeClr val="bg2"/>
@@ -7573,7 +7642,7 @@
           <a:effectLst/>
           <a:extLst>
             <a:ext uri="{AF507438-7753-43e0-B8FC-AC1667EBCBE1}">
-              <a14:hiddenEffects xmlns:a14="http://schemas.microsoft.com/office/drawing/2010/main" xmlns="">
+              <a14:hiddenEffects xmlns="" xmlns:a14="http://schemas.microsoft.com/office/drawing/2010/main">
                 <a:effectLst>
                   <a:outerShdw dist="35921" dir="2700000" algn="ctr" rotWithShape="0">
                     <a:schemeClr val="bg2"/>
@@ -7649,7 +7718,7 @@
           <a:effectLst/>
           <a:extLst>
             <a:ext uri="{AF507438-7753-43e0-B8FC-AC1667EBCBE1}">
-              <a14:hiddenEffects xmlns:a14="http://schemas.microsoft.com/office/drawing/2010/main" xmlns="">
+              <a14:hiddenEffects xmlns="" xmlns:a14="http://schemas.microsoft.com/office/drawing/2010/main">
                 <a:effectLst>
                   <a:outerShdw dist="35921" dir="2700000" algn="ctr" rotWithShape="0">
                     <a:schemeClr val="bg2"/>
@@ -7730,7 +7799,7 @@
           <a:effectLst/>
           <a:extLst>
             <a:ext uri="{AF507438-7753-43e0-B8FC-AC1667EBCBE1}">
-              <a14:hiddenEffects xmlns:a14="http://schemas.microsoft.com/office/drawing/2010/main" xmlns="">
+              <a14:hiddenEffects xmlns="" xmlns:a14="http://schemas.microsoft.com/office/drawing/2010/main">
                 <a:effectLst>
                   <a:outerShdw dist="35921" dir="2700000" algn="ctr" rotWithShape="0">
                     <a:schemeClr val="bg2"/>
@@ -7929,7 +7998,7 @@
           <a:effectLst/>
           <a:extLst>
             <a:ext uri="{AF507438-7753-43e0-B8FC-AC1667EBCBE1}">
-              <a14:hiddenEffects xmlns:a14="http://schemas.microsoft.com/office/drawing/2010/main" xmlns="">
+              <a14:hiddenEffects xmlns="" xmlns:a14="http://schemas.microsoft.com/office/drawing/2010/main">
                 <a:effectLst>
                   <a:outerShdw dist="35921" dir="2700000" algn="ctr" rotWithShape="0">
                     <a:schemeClr val="bg2"/>
@@ -7967,7 +8036,7 @@
           <a:effectLst/>
           <a:extLst>
             <a:ext uri="{AF507438-7753-43e0-B8FC-AC1667EBCBE1}">
-              <a14:hiddenEffects xmlns:a14="http://schemas.microsoft.com/office/drawing/2010/main" xmlns="">
+              <a14:hiddenEffects xmlns="" xmlns:a14="http://schemas.microsoft.com/office/drawing/2010/main">
                 <a:effectLst>
                   <a:outerShdw dist="35921" dir="2700000" algn="ctr" rotWithShape="0">
                     <a:schemeClr val="bg2"/>
@@ -8043,7 +8112,7 @@
           <a:effectLst/>
           <a:extLst>
             <a:ext uri="{AF507438-7753-43e0-B8FC-AC1667EBCBE1}">
-              <a14:hiddenEffects xmlns:a14="http://schemas.microsoft.com/office/drawing/2010/main" xmlns="">
+              <a14:hiddenEffects xmlns="" xmlns:a14="http://schemas.microsoft.com/office/drawing/2010/main">
                 <a:effectLst>
                   <a:outerShdw dist="35921" dir="2700000" algn="ctr" rotWithShape="0">
                     <a:schemeClr val="bg2"/>
@@ -8119,7 +8188,7 @@
           <a:effectLst/>
           <a:extLst>
             <a:ext uri="{AF507438-7753-43e0-B8FC-AC1667EBCBE1}">
-              <a14:hiddenEffects xmlns:a14="http://schemas.microsoft.com/office/drawing/2010/main" xmlns="">
+              <a14:hiddenEffects xmlns="" xmlns:a14="http://schemas.microsoft.com/office/drawing/2010/main">
                 <a:effectLst>
                   <a:outerShdw dist="35921" dir="2700000" algn="ctr" rotWithShape="0">
                     <a:schemeClr val="bg2"/>
@@ -8195,7 +8264,7 @@
           <a:effectLst/>
           <a:extLst>
             <a:ext uri="{AF507438-7753-43e0-B8FC-AC1667EBCBE1}">
-              <a14:hiddenEffects xmlns:a14="http://schemas.microsoft.com/office/drawing/2010/main" xmlns="">
+              <a14:hiddenEffects xmlns="" xmlns:a14="http://schemas.microsoft.com/office/drawing/2010/main">
                 <a:effectLst>
                   <a:outerShdw dist="35921" dir="2700000" algn="ctr" rotWithShape="0">
                     <a:schemeClr val="bg2"/>
@@ -8604,7 +8673,7 @@
           <a:effectLst/>
           <a:extLst>
             <a:ext uri="{AF507438-7753-43e0-B8FC-AC1667EBCBE1}">
-              <a14:hiddenEffects xmlns:a14="http://schemas.microsoft.com/office/drawing/2010/main" xmlns="">
+              <a14:hiddenEffects xmlns="" xmlns:a14="http://schemas.microsoft.com/office/drawing/2010/main">
                 <a:effectLst>
                   <a:outerShdw dist="35921" dir="2700000" algn="ctr" rotWithShape="0">
                     <a:schemeClr val="bg2"/>
@@ -8642,7 +8711,7 @@
           <a:effectLst/>
           <a:extLst>
             <a:ext uri="{AF507438-7753-43e0-B8FC-AC1667EBCBE1}">
-              <a14:hiddenEffects xmlns:a14="http://schemas.microsoft.com/office/drawing/2010/main" xmlns="">
+              <a14:hiddenEffects xmlns="" xmlns:a14="http://schemas.microsoft.com/office/drawing/2010/main">
                 <a:effectLst>
                   <a:outerShdw dist="35921" dir="2700000" algn="ctr" rotWithShape="0">
                     <a:schemeClr val="bg2"/>
@@ -8718,7 +8787,7 @@
           <a:effectLst/>
           <a:extLst>
             <a:ext uri="{AF507438-7753-43e0-B8FC-AC1667EBCBE1}">
-              <a14:hiddenEffects xmlns:a14="http://schemas.microsoft.com/office/drawing/2010/main" xmlns="">
+              <a14:hiddenEffects xmlns="" xmlns:a14="http://schemas.microsoft.com/office/drawing/2010/main">
                 <a:effectLst>
                   <a:outerShdw dist="35921" dir="2700000" algn="ctr" rotWithShape="0">
                     <a:schemeClr val="bg2"/>
@@ -8794,7 +8863,7 @@
           <a:effectLst/>
           <a:extLst>
             <a:ext uri="{AF507438-7753-43e0-B8FC-AC1667EBCBE1}">
-              <a14:hiddenEffects xmlns:a14="http://schemas.microsoft.com/office/drawing/2010/main" xmlns="">
+              <a14:hiddenEffects xmlns="" xmlns:a14="http://schemas.microsoft.com/office/drawing/2010/main">
                 <a:effectLst>
                   <a:outerShdw dist="35921" dir="2700000" algn="ctr" rotWithShape="0">
                     <a:schemeClr val="bg2"/>
@@ -9012,7 +9081,7 @@
           <a:effectLst/>
           <a:extLst>
             <a:ext uri="{AF507438-7753-43e0-B8FC-AC1667EBCBE1}">
-              <a14:hiddenEffects xmlns:a14="http://schemas.microsoft.com/office/drawing/2010/main" xmlns="">
+              <a14:hiddenEffects xmlns="" xmlns:a14="http://schemas.microsoft.com/office/drawing/2010/main">
                 <a:effectLst>
                   <a:outerShdw dist="35921" dir="2700000" algn="ctr" rotWithShape="0">
                     <a:schemeClr val="bg2"/>
@@ -9052,7 +9121,7 @@
           <a:effectLst/>
           <a:extLst>
             <a:ext uri="{AF507438-7753-43e0-B8FC-AC1667EBCBE1}">
-              <a14:hiddenEffects xmlns:a14="http://schemas.microsoft.com/office/drawing/2010/main" xmlns="">
+              <a14:hiddenEffects xmlns="" xmlns:a14="http://schemas.microsoft.com/office/drawing/2010/main">
                 <a:effectLst>
                   <a:outerShdw dist="35921" dir="2700000" algn="ctr" rotWithShape="0">
                     <a:schemeClr val="bg2"/>
@@ -9090,7 +9159,7 @@
           <a:effectLst/>
           <a:extLst>
             <a:ext uri="{AF507438-7753-43e0-B8FC-AC1667EBCBE1}">
-              <a14:hiddenEffects xmlns:a14="http://schemas.microsoft.com/office/drawing/2010/main" xmlns="">
+              <a14:hiddenEffects xmlns="" xmlns:a14="http://schemas.microsoft.com/office/drawing/2010/main">
                 <a:effectLst>
                   <a:outerShdw dist="35921" dir="2700000" algn="ctr" rotWithShape="0">
                     <a:schemeClr val="bg2"/>
@@ -9166,7 +9235,7 @@
           <a:effectLst/>
           <a:extLst>
             <a:ext uri="{AF507438-7753-43e0-B8FC-AC1667EBCBE1}">
-              <a14:hiddenEffects xmlns:a14="http://schemas.microsoft.com/office/drawing/2010/main" xmlns="">
+              <a14:hiddenEffects xmlns="" xmlns:a14="http://schemas.microsoft.com/office/drawing/2010/main">
                 <a:effectLst>
                   <a:outerShdw dist="35921" dir="2700000" algn="ctr" rotWithShape="0">
                     <a:schemeClr val="bg2"/>
@@ -9242,7 +9311,7 @@
           <a:effectLst/>
           <a:extLst>
             <a:ext uri="{AF507438-7753-43e0-B8FC-AC1667EBCBE1}">
-              <a14:hiddenEffects xmlns:a14="http://schemas.microsoft.com/office/drawing/2010/main" xmlns="">
+              <a14:hiddenEffects xmlns="" xmlns:a14="http://schemas.microsoft.com/office/drawing/2010/main">
                 <a:effectLst>
                   <a:outerShdw dist="35921" dir="2700000" algn="ctr" rotWithShape="0">
                     <a:schemeClr val="bg2"/>
@@ -9318,7 +9387,7 @@
           <a:effectLst/>
           <a:extLst>
             <a:ext uri="{AF507438-7753-43e0-B8FC-AC1667EBCBE1}">
-              <a14:hiddenEffects xmlns:a14="http://schemas.microsoft.com/office/drawing/2010/main" xmlns="">
+              <a14:hiddenEffects xmlns="" xmlns:a14="http://schemas.microsoft.com/office/drawing/2010/main">
                 <a:effectLst>
                   <a:outerShdw dist="35921" dir="2700000" algn="ctr" rotWithShape="0">
                     <a:schemeClr val="bg2"/>
@@ -9492,7 +9561,7 @@
           <a:effectLst/>
           <a:extLst>
             <a:ext uri="{AF507438-7753-43e0-B8FC-AC1667EBCBE1}">
-              <a14:hiddenEffects xmlns:a14="http://schemas.microsoft.com/office/drawing/2010/main" xmlns="">
+              <a14:hiddenEffects xmlns="" xmlns:a14="http://schemas.microsoft.com/office/drawing/2010/main">
                 <a:effectLst>
                   <a:outerShdw dist="35921" dir="2700000" algn="ctr" rotWithShape="0">
                     <a:schemeClr val="bg2"/>
@@ -9568,7 +9637,7 @@
           <a:effectLst/>
           <a:extLst>
             <a:ext uri="{AF507438-7753-43e0-B8FC-AC1667EBCBE1}">
-              <a14:hiddenEffects xmlns:a14="http://schemas.microsoft.com/office/drawing/2010/main" xmlns="">
+              <a14:hiddenEffects xmlns="" xmlns:a14="http://schemas.microsoft.com/office/drawing/2010/main">
                 <a:effectLst>
                   <a:outerShdw dist="35921" dir="2700000" algn="ctr" rotWithShape="0">
                     <a:schemeClr val="bg2"/>
@@ -9649,7 +9718,7 @@
           <a:effectLst/>
           <a:extLst>
             <a:ext uri="{AF507438-7753-43e0-B8FC-AC1667EBCBE1}">
-              <a14:hiddenEffects xmlns:a14="http://schemas.microsoft.com/office/drawing/2010/main" xmlns="">
+              <a14:hiddenEffects xmlns="" xmlns:a14="http://schemas.microsoft.com/office/drawing/2010/main">
                 <a:effectLst>
                   <a:outerShdw dist="35921" dir="2700000" algn="ctr" rotWithShape="0">
                     <a:schemeClr val="bg2"/>
@@ -9848,7 +9917,7 @@
           <a:effectLst/>
           <a:extLst>
             <a:ext uri="{AF507438-7753-43e0-B8FC-AC1667EBCBE1}">
-              <a14:hiddenEffects xmlns:a14="http://schemas.microsoft.com/office/drawing/2010/main" xmlns="">
+              <a14:hiddenEffects xmlns="" xmlns:a14="http://schemas.microsoft.com/office/drawing/2010/main">
                 <a:effectLst>
                   <a:outerShdw dist="35921" dir="2700000" algn="ctr" rotWithShape="0">
                     <a:schemeClr val="bg2"/>
@@ -9924,7 +9993,7 @@
           <a:effectLst/>
           <a:extLst>
             <a:ext uri="{AF507438-7753-43e0-B8FC-AC1667EBCBE1}">
-              <a14:hiddenEffects xmlns:a14="http://schemas.microsoft.com/office/drawing/2010/main" xmlns="">
+              <a14:hiddenEffects xmlns="" xmlns:a14="http://schemas.microsoft.com/office/drawing/2010/main">
                 <a:effectLst>
                   <a:outerShdw dist="35921" dir="2700000" algn="ctr" rotWithShape="0">
                     <a:schemeClr val="bg2"/>
@@ -10002,7 +10071,7 @@
           <a:effectLst/>
           <a:extLst>
             <a:ext uri="{AF507438-7753-43e0-B8FC-AC1667EBCBE1}">
-              <a14:hiddenEffects xmlns:a14="http://schemas.microsoft.com/office/drawing/2010/main" xmlns="">
+              <a14:hiddenEffects xmlns="" xmlns:a14="http://schemas.microsoft.com/office/drawing/2010/main">
                 <a:effectLst>
                   <a:outerShdw dist="35921" dir="2700000" algn="ctr" rotWithShape="0">
                     <a:schemeClr val="bg2"/>
@@ -10076,15 +10145,7 @@
             </a:r>
             <a:r>
               <a:rPr kumimoji="1" lang="ja-JP" altLang="en-US" dirty="0" smtClean="0"/>
-              <a:t>プログラ</a:t>
-            </a:r>
-            <a:r>
-              <a:rPr kumimoji="1" lang="ja-JP" altLang="en-US" dirty="0" smtClean="0"/>
-              <a:t>ム変更お</a:t>
-            </a:r>
-            <a:r>
-              <a:rPr kumimoji="1" lang="ja-JP" altLang="en-US" dirty="0" smtClean="0"/>
-              <a:t>よび確認</a:t>
+              <a:t>プログラム変更および確認</a:t>
             </a:r>
             <a:endParaRPr kumimoji="1" lang="ja-JP" altLang="en-US" dirty="0"/>
           </a:p>
@@ -10212,7 +10273,7 @@
           <a:effectLst/>
           <a:extLst>
             <a:ext uri="{AF507438-7753-43e0-B8FC-AC1667EBCBE1}">
-              <a14:hiddenEffects xmlns:a14="http://schemas.microsoft.com/office/drawing/2010/main" xmlns="">
+              <a14:hiddenEffects xmlns="" xmlns:a14="http://schemas.microsoft.com/office/drawing/2010/main">
                 <a:effectLst>
                   <a:outerShdw dist="35921" dir="2700000" algn="ctr" rotWithShape="0">
                     <a:schemeClr val="bg2"/>
@@ -10243,16 +10304,16 @@
                 </a:solidFill>
                 <a:latin typeface="Helvetica" panose="020B0604020202020204" pitchFamily="34" charset="0"/>
               </a:rPr>
-              <a:t>「こんにちは」から「おはよう」に変更し</a:t>
-            </a:r>
-            <a:r>
-              <a:rPr kumimoji="1" lang="ja-JP" altLang="en-US" sz="1200" b="0" dirty="0">
+              <a:t>「こんにちは」から「おはよう」に変更</a:t>
+            </a:r>
+            <a:r>
+              <a:rPr kumimoji="1" lang="ja-JP" altLang="en-US" sz="1200" b="0" dirty="0" smtClean="0">
                 <a:solidFill>
                   <a:srgbClr val="26343F"/>
                 </a:solidFill>
                 <a:latin typeface="Helvetica" panose="020B0604020202020204" pitchFamily="34" charset="0"/>
               </a:rPr>
-              <a:t>、</a:t>
+              <a:t>して、</a:t>
             </a:r>
             <a:r>
               <a:rPr kumimoji="1" lang="en-US" altLang="ja-JP" sz="1200" b="0" dirty="0" smtClean="0">
@@ -10263,12 +10324,6 @@
               </a:rPr>
               <a:t>Save (Ctrl + s)</a:t>
             </a:r>
-            <a:endParaRPr kumimoji="1" lang="en-US" altLang="ja-JP" sz="1200" b="0" dirty="0" smtClean="0">
-              <a:solidFill>
-                <a:srgbClr val="26343F"/>
-              </a:solidFill>
-              <a:latin typeface="Helvetica" panose="020B0604020202020204" pitchFamily="34" charset="0"/>
-            </a:endParaRPr>
           </a:p>
         </p:txBody>
       </p:sp>
@@ -10299,7 +10354,7 @@
           <a:effectLst/>
           <a:extLst>
             <a:ext uri="{AF507438-7753-43e0-B8FC-AC1667EBCBE1}">
-              <a14:hiddenEffects xmlns:a14="http://schemas.microsoft.com/office/drawing/2010/main" xmlns="">
+              <a14:hiddenEffects xmlns="" xmlns:a14="http://schemas.microsoft.com/office/drawing/2010/main">
                 <a:effectLst>
                   <a:outerShdw dist="35921" dir="2700000" algn="ctr" rotWithShape="0">
                     <a:schemeClr val="bg2"/>
@@ -10465,7 +10520,7 @@
           <a:effectLst/>
           <a:extLst>
             <a:ext uri="{AF507438-7753-43e0-B8FC-AC1667EBCBE1}">
-              <a14:hiddenEffects xmlns:a14="http://schemas.microsoft.com/office/drawing/2010/main" xmlns="">
+              <a14:hiddenEffects xmlns="" xmlns:a14="http://schemas.microsoft.com/office/drawing/2010/main">
                 <a:effectLst>
                   <a:outerShdw dist="35921" dir="2700000" algn="ctr" rotWithShape="0">
                     <a:schemeClr val="bg2"/>
@@ -10717,7 +10772,7 @@
           <a:effectLst/>
           <a:extLst>
             <a:ext uri="{AF507438-7753-43e0-B8FC-AC1667EBCBE1}">
-              <a14:hiddenEffects xmlns:a14="http://schemas.microsoft.com/office/drawing/2010/main" xmlns="">
+              <a14:hiddenEffects xmlns="" xmlns:a14="http://schemas.microsoft.com/office/drawing/2010/main">
                 <a:effectLst>
                   <a:outerShdw dist="35921" dir="2700000" algn="ctr" rotWithShape="0">
                     <a:schemeClr val="bg2"/>
@@ -10798,7 +10853,7 @@
           <a:effectLst/>
           <a:extLst>
             <a:ext uri="{AF507438-7753-43e0-B8FC-AC1667EBCBE1}">
-              <a14:hiddenEffects xmlns:a14="http://schemas.microsoft.com/office/drawing/2010/main" xmlns="">
+              <a14:hiddenEffects xmlns="" xmlns:a14="http://schemas.microsoft.com/office/drawing/2010/main">
                 <a:effectLst>
                   <a:outerShdw dist="35921" dir="2700000" algn="ctr" rotWithShape="0">
                     <a:schemeClr val="bg2"/>
@@ -11082,11 +11137,7 @@
             </a:r>
             <a:r>
               <a:rPr lang="ja-JP" altLang="en-US" sz="2000" dirty="0" smtClean="0"/>
-              <a:t>ルしなくても</a:t>
-            </a:r>
-            <a:r>
-              <a:rPr lang="ja-JP" altLang="en-US" sz="2000" dirty="0" smtClean="0"/>
-              <a:t>、プログラムのビルドや実行ができる。</a:t>
+              <a:t>ルしなくても、プログラムのビルドや実行ができる。</a:t>
             </a:r>
             <a:endParaRPr kumimoji="1" lang="en-US" altLang="ja-JP" sz="1600" dirty="0" smtClean="0"/>
           </a:p>
@@ -11218,11 +11269,7 @@
             </a:r>
             <a:r>
               <a:rPr lang="ja-JP" altLang="en-US" sz="2400" dirty="0" smtClean="0"/>
-              <a:t>のインストー</a:t>
-            </a:r>
-            <a:r>
-              <a:rPr lang="ja-JP" altLang="en-US" sz="2400" dirty="0" smtClean="0"/>
-              <a:t>ル</a:t>
+              <a:t>のインストール</a:t>
             </a:r>
             <a:endParaRPr lang="en-US" altLang="ja-JP" sz="2400" dirty="0" smtClean="0"/>
           </a:p>
@@ -11268,11 +11315,7 @@
             </a:pPr>
             <a:r>
               <a:rPr lang="ja-JP" altLang="en-US" sz="2400" dirty="0" smtClean="0"/>
-              <a:t>ま</a:t>
-            </a:r>
-            <a:r>
-              <a:rPr lang="ja-JP" altLang="en-US" sz="2400" dirty="0" smtClean="0"/>
-              <a:t>とめ</a:t>
+              <a:t>まとめ</a:t>
             </a:r>
             <a:endParaRPr lang="en-US" altLang="ja-JP" sz="2400" dirty="0" smtClean="0"/>
           </a:p>
@@ -11531,11 +11574,7 @@
             </a:r>
             <a:r>
               <a:rPr lang="ja-JP" altLang="en-US" sz="2000" dirty="0" smtClean="0"/>
-              <a:t>にインポートする</a:t>
-            </a:r>
-            <a:r>
-              <a:rPr lang="ja-JP" altLang="en-US" sz="2000" dirty="0" smtClean="0"/>
-              <a:t>。</a:t>
+              <a:t>にインポートする。</a:t>
             </a:r>
             <a:endParaRPr lang="en-US" altLang="ja-JP" sz="2000" dirty="0" smtClean="0"/>
           </a:p>
@@ -13402,7 +13441,7 @@
             <a:effectLst/>
             <a:extLst>
               <a:ext uri="{AF507438-7753-43e0-B8FC-AC1667EBCBE1}">
-                <a14:hiddenEffects xmlns:a14="http://schemas.microsoft.com/office/drawing/2010/main" xmlns="">
+                <a14:hiddenEffects xmlns="" xmlns:a14="http://schemas.microsoft.com/office/drawing/2010/main">
                   <a:effectLst>
                     <a:outerShdw dist="35921" dir="2700000" algn="ctr" rotWithShape="0">
                       <a:schemeClr val="bg2"/>
@@ -13554,7 +13593,7 @@
             <a:effectLst/>
             <a:extLst>
               <a:ext uri="{AF507438-7753-43e0-B8FC-AC1667EBCBE1}">
-                <a14:hiddenEffects xmlns:a14="http://schemas.microsoft.com/office/drawing/2010/main" xmlns="">
+                <a14:hiddenEffects xmlns="" xmlns:a14="http://schemas.microsoft.com/office/drawing/2010/main">
                   <a:effectLst>
                     <a:outerShdw dist="35921" dir="2700000" algn="ctr" rotWithShape="0">
                       <a:schemeClr val="bg2"/>
@@ -13643,7 +13682,7 @@
             <a:effectLst/>
             <a:extLst>
               <a:ext uri="{AF507438-7753-43e0-B8FC-AC1667EBCBE1}">
-                <a14:hiddenEffects xmlns:a14="http://schemas.microsoft.com/office/drawing/2010/main" xmlns="">
+                <a14:hiddenEffects xmlns="" xmlns:a14="http://schemas.microsoft.com/office/drawing/2010/main">
                   <a:effectLst>
                     <a:outerShdw dist="35921" dir="2700000" algn="ctr" rotWithShape="0">
                       <a:schemeClr val="bg2"/>
@@ -13957,7 +13996,7 @@
             <a:effectLst/>
             <a:extLst>
               <a:ext uri="{AF507438-7753-43e0-B8FC-AC1667EBCBE1}">
-                <a14:hiddenEffects xmlns:a14="http://schemas.microsoft.com/office/drawing/2010/main" xmlns="">
+                <a14:hiddenEffects xmlns="" xmlns:a14="http://schemas.microsoft.com/office/drawing/2010/main">
                   <a:effectLst>
                     <a:outerShdw dist="35921" dir="2700000" algn="ctr" rotWithShape="0">
                       <a:schemeClr val="bg2"/>
@@ -14413,7 +14452,7 @@
           <a:effectLst/>
           <a:extLst>
             <a:ext uri="{AF507438-7753-43e0-B8FC-AC1667EBCBE1}">
-              <a14:hiddenEffects xmlns:a14="http://schemas.microsoft.com/office/drawing/2010/main" xmlns="">
+              <a14:hiddenEffects xmlns="" xmlns:a14="http://schemas.microsoft.com/office/drawing/2010/main">
                 <a:effectLst>
                   <a:outerShdw dist="35921" dir="2700000" algn="ctr" rotWithShape="0">
                     <a:schemeClr val="bg2"/>
@@ -14607,7 +14646,7 @@
           <a:effectLst/>
           <a:extLst>
             <a:ext uri="{AF507438-7753-43e0-B8FC-AC1667EBCBE1}">
-              <a14:hiddenEffects xmlns:a14="http://schemas.microsoft.com/office/drawing/2010/main" xmlns="">
+              <a14:hiddenEffects xmlns="" xmlns:a14="http://schemas.microsoft.com/office/drawing/2010/main">
                 <a:effectLst>
                   <a:outerShdw dist="35921" dir="2700000" algn="ctr" rotWithShape="0">
                     <a:schemeClr val="bg2"/>
@@ -14688,7 +14727,7 @@
           <a:effectLst/>
           <a:extLst>
             <a:ext uri="{AF507438-7753-43e0-B8FC-AC1667EBCBE1}">
-              <a14:hiddenEffects xmlns:a14="http://schemas.microsoft.com/office/drawing/2010/main" xmlns="">
+              <a14:hiddenEffects xmlns="" xmlns:a14="http://schemas.microsoft.com/office/drawing/2010/main">
                 <a:effectLst>
                   <a:outerShdw dist="35921" dir="2700000" algn="ctr" rotWithShape="0">
                     <a:schemeClr val="bg2"/>
@@ -14769,7 +14808,7 @@
           <a:effectLst/>
           <a:extLst>
             <a:ext uri="{AF507438-7753-43e0-B8FC-AC1667EBCBE1}">
-              <a14:hiddenEffects xmlns:a14="http://schemas.microsoft.com/office/drawing/2010/main" xmlns="">
+              <a14:hiddenEffects xmlns="" xmlns:a14="http://schemas.microsoft.com/office/drawing/2010/main">
                 <a:effectLst>
                   <a:outerShdw dist="35921" dir="2700000" algn="ctr" rotWithShape="0">
                     <a:schemeClr val="bg2"/>
@@ -15065,7 +15104,7 @@
         <a:effectLst/>
         <a:extLst>
           <a:ext uri="{AF507438-7753-43e0-B8FC-AC1667EBCBE1}">
-            <a14:hiddenEffects xmlns="" xmlns:a14="http://schemas.microsoft.com/office/drawing/2010/main">
+            <a14:hiddenEffects xmlns:a14="http://schemas.microsoft.com/office/drawing/2010/main" xmlns="">
               <a:effectLst>
                 <a:outerShdw dist="35921" dir="2700000" algn="ctr" rotWithShape="0">
                   <a:schemeClr val="bg2"/>
@@ -15140,7 +15179,7 @@
         <a:effectLst/>
         <a:extLst>
           <a:ext uri="{AF507438-7753-43e0-B8FC-AC1667EBCBE1}">
-            <a14:hiddenEffects xmlns="" xmlns:a14="http://schemas.microsoft.com/office/drawing/2010/main">
+            <a14:hiddenEffects xmlns:a14="http://schemas.microsoft.com/office/drawing/2010/main" xmlns="">
               <a:effectLst>
                 <a:outerShdw dist="35921" dir="2700000" algn="ctr" rotWithShape="0">
                   <a:schemeClr val="bg2"/>
